--- a/Presentations/Milestone 1 Presentation - Review of Related Literature [DCISM].pptx
+++ b/Presentations/Milestone 1 Presentation - Review of Related Literature [DCISM].pptx
@@ -530,13 +530,9 @@
           <a:p>
             <a:r>
               <a:rPr lang="en-US" baseline="0" dirty="0"/>
-              <a:t>These can occur when a person cannot cope up from </a:t>
-            </a:r>
-            <a:r>
-              <a:rPr lang="en-US" baseline="0"/>
-              <a:t>negative situations.</a:t>
-            </a:r>
-            <a:endParaRPr lang="en-PH"/>
+              <a:t>These can occur when a person cannot cope up from negative situations.</a:t>
+            </a:r>
+            <a:endParaRPr lang="en-PH" dirty="0"/>
           </a:p>
         </p:txBody>
       </p:sp>
@@ -801,6 +797,183 @@
           <a:bodyPr/>
           <a:lstStyle/>
           <a:p>
+            <a:pPr marL="171450" indent="-171450">
+              <a:buFont typeface="Arial" panose="020B0604020202020204" pitchFamily="34" charset="0"/>
+              <a:buChar char="•"/>
+            </a:pPr>
+            <a:r>
+              <a:rPr lang="en-US" dirty="0"/>
+              <a:t>Inspired</a:t>
+            </a:r>
+            <a:r>
+              <a:rPr lang="en-US" baseline="0" dirty="0"/>
+              <a:t> by the structure of the human brain to solve perplex problems</a:t>
+            </a:r>
+          </a:p>
+          <a:p>
+            <a:pPr marL="628650" lvl="1" indent="-171450">
+              <a:buFont typeface="Arial" panose="020B0604020202020204" pitchFamily="34" charset="0"/>
+              <a:buChar char="•"/>
+            </a:pPr>
+            <a:r>
+              <a:rPr lang="en-US" baseline="0" dirty="0"/>
+              <a:t>Problems involve clustering, classification, pattern recognition, </a:t>
+            </a:r>
+            <a:r>
+              <a:rPr lang="en-US" baseline="0" dirty="0" err="1"/>
+              <a:t>etc</a:t>
+            </a:r>
+            <a:endParaRPr lang="en-US" baseline="0" dirty="0"/>
+          </a:p>
+          <a:p>
+            <a:pPr marL="171450" lvl="0" indent="-171450">
+              <a:buFont typeface="Arial" panose="020B0604020202020204" pitchFamily="34" charset="0"/>
+              <a:buChar char="•"/>
+            </a:pPr>
+            <a:r>
+              <a:rPr lang="en-US" baseline="0" dirty="0"/>
+              <a:t>Series of layers</a:t>
+            </a:r>
+          </a:p>
+          <a:p>
+            <a:pPr marL="628650" lvl="1" indent="-171450">
+              <a:buFont typeface="Arial" panose="020B0604020202020204" pitchFamily="34" charset="0"/>
+              <a:buChar char="•"/>
+            </a:pPr>
+            <a:r>
+              <a:rPr lang="en-US" baseline="0" dirty="0"/>
+              <a:t>Input, hidden, output</a:t>
+            </a:r>
+          </a:p>
+          <a:p>
+            <a:pPr marL="171450" lvl="0" indent="-171450">
+              <a:buFont typeface="Arial" panose="020B0604020202020204" pitchFamily="34" charset="0"/>
+              <a:buChar char="•"/>
+            </a:pPr>
+            <a:r>
+              <a:rPr lang="en-US" baseline="0" dirty="0"/>
+              <a:t>Nodes per layer has numerous interconnection</a:t>
+            </a:r>
+          </a:p>
+          <a:p>
+            <a:pPr marL="628650" lvl="1" indent="-171450">
+              <a:buFont typeface="Arial" panose="020B0604020202020204" pitchFamily="34" charset="0"/>
+              <a:buChar char="•"/>
+            </a:pPr>
+            <a:r>
+              <a:rPr lang="en-US" baseline="0" dirty="0"/>
+              <a:t>Has weight in each connection</a:t>
+            </a:r>
+          </a:p>
+          <a:p>
+            <a:pPr marL="1085850" lvl="2" indent="-171450">
+              <a:buFont typeface="Arial" panose="020B0604020202020204" pitchFamily="34" charset="0"/>
+              <a:buChar char="•"/>
+            </a:pPr>
+            <a:r>
+              <a:rPr lang="en-US" baseline="0" dirty="0"/>
+              <a:t>Are adjusted when the gathered data is to be fed in the process of training</a:t>
+            </a:r>
+          </a:p>
+          <a:p>
+            <a:pPr marL="628650" lvl="1" indent="-171450">
+              <a:buFont typeface="Arial" panose="020B0604020202020204" pitchFamily="34" charset="0"/>
+              <a:buChar char="•"/>
+            </a:pPr>
+            <a:r>
+              <a:rPr lang="en-US" baseline="0" dirty="0"/>
+              <a:t>Weights are randomly assigned and changed during training</a:t>
+            </a:r>
+          </a:p>
+          <a:p>
+            <a:pPr marL="171450" lvl="0" indent="-171450">
+              <a:buFont typeface="Arial" panose="020B0604020202020204" pitchFamily="34" charset="0"/>
+              <a:buChar char="•"/>
+            </a:pPr>
+            <a:endParaRPr lang="en-PH" dirty="0"/>
+          </a:p>
+        </p:txBody>
+      </p:sp>
+      <p:sp>
+        <p:nvSpPr>
+          <p:cNvPr id="4" name="Slide Number Placeholder 3"/>
+          <p:cNvSpPr>
+            <a:spLocks noGrp="1"/>
+          </p:cNvSpPr>
+          <p:nvPr>
+            <p:ph type="sldNum" sz="quarter" idx="10"/>
+          </p:nvPr>
+        </p:nvSpPr>
+        <p:spPr/>
+        <p:txBody>
+          <a:bodyPr/>
+          <a:lstStyle/>
+          <a:p>
+            <a:fld id="{025F723C-B06D-406C-8FAC-F2930FFF6CF3}" type="slidenum">
+              <a:rPr lang="en-PH" smtClean="0"/>
+              <a:t>4</a:t>
+            </a:fld>
+            <a:endParaRPr lang="en-PH"/>
+          </a:p>
+        </p:txBody>
+      </p:sp>
+    </p:spTree>
+    <p:extLst>
+      <p:ext uri="{BB962C8B-B14F-4D97-AF65-F5344CB8AC3E}">
+        <p14:creationId xmlns:p14="http://schemas.microsoft.com/office/powerpoint/2010/main" val="3784435190"/>
+      </p:ext>
+    </p:extLst>
+  </p:cSld>
+  <p:clrMapOvr>
+    <a:masterClrMapping/>
+  </p:clrMapOvr>
+</p:notes>
+</file>
+
+<file path=ppt/notesSlides/notesSlide4.xml><?xml version="1.0" encoding="utf-8"?>
+<p:notes xmlns:a="http://schemas.openxmlformats.org/drawingml/2006/main" xmlns:r="http://schemas.openxmlformats.org/officeDocument/2006/relationships" xmlns:p="http://schemas.openxmlformats.org/presentationml/2006/main">
+  <p:cSld>
+    <p:spTree>
+      <p:nvGrpSpPr>
+        <p:cNvPr id="1" name=""/>
+        <p:cNvGrpSpPr/>
+        <p:nvPr/>
+      </p:nvGrpSpPr>
+      <p:grpSpPr>
+        <a:xfrm>
+          <a:off x="0" y="0"/>
+          <a:ext cx="0" cy="0"/>
+          <a:chOff x="0" y="0"/>
+          <a:chExt cx="0" cy="0"/>
+        </a:xfrm>
+      </p:grpSpPr>
+      <p:sp>
+        <p:nvSpPr>
+          <p:cNvPr id="2" name="Slide Image Placeholder 1"/>
+          <p:cNvSpPr>
+            <a:spLocks noGrp="1" noRot="1" noChangeAspect="1"/>
+          </p:cNvSpPr>
+          <p:nvPr>
+            <p:ph type="sldImg"/>
+          </p:nvPr>
+        </p:nvSpPr>
+        <p:spPr/>
+      </p:sp>
+      <p:sp>
+        <p:nvSpPr>
+          <p:cNvPr id="3" name="Notes Placeholder 2"/>
+          <p:cNvSpPr>
+            <a:spLocks noGrp="1"/>
+          </p:cNvSpPr>
+          <p:nvPr>
+            <p:ph type="body" idx="1"/>
+          </p:nvPr>
+        </p:nvSpPr>
+        <p:spPr/>
+        <p:txBody>
+          <a:bodyPr/>
+          <a:lstStyle/>
+          <a:p>
             <a:pPr marL="171450" indent="-171450" algn="l">
               <a:buFont typeface="Arial" panose="020B0604020202020204" pitchFamily="34" charset="0"/>
               <a:buChar char="•"/>
@@ -894,6 +1067,293 @@
     <p:extLst>
       <p:ext uri="{BB962C8B-B14F-4D97-AF65-F5344CB8AC3E}">
         <p14:creationId xmlns:p14="http://schemas.microsoft.com/office/powerpoint/2010/main" val="820529376"/>
+      </p:ext>
+    </p:extLst>
+  </p:cSld>
+  <p:clrMapOvr>
+    <a:masterClrMapping/>
+  </p:clrMapOvr>
+</p:notes>
+</file>
+
+<file path=ppt/notesSlides/notesSlide5.xml><?xml version="1.0" encoding="utf-8"?>
+<p:notes xmlns:a="http://schemas.openxmlformats.org/drawingml/2006/main" xmlns:r="http://schemas.openxmlformats.org/officeDocument/2006/relationships" xmlns:p="http://schemas.openxmlformats.org/presentationml/2006/main">
+  <p:cSld>
+    <p:spTree>
+      <p:nvGrpSpPr>
+        <p:cNvPr id="1" name=""/>
+        <p:cNvGrpSpPr/>
+        <p:nvPr/>
+      </p:nvGrpSpPr>
+      <p:grpSpPr>
+        <a:xfrm>
+          <a:off x="0" y="0"/>
+          <a:ext cx="0" cy="0"/>
+          <a:chOff x="0" y="0"/>
+          <a:chExt cx="0" cy="0"/>
+        </a:xfrm>
+      </p:grpSpPr>
+      <p:sp>
+        <p:nvSpPr>
+          <p:cNvPr id="2" name="Slide Image Placeholder 1"/>
+          <p:cNvSpPr>
+            <a:spLocks noGrp="1" noRot="1" noChangeAspect="1"/>
+          </p:cNvSpPr>
+          <p:nvPr>
+            <p:ph type="sldImg"/>
+          </p:nvPr>
+        </p:nvSpPr>
+        <p:spPr/>
+      </p:sp>
+      <p:sp>
+        <p:nvSpPr>
+          <p:cNvPr id="3" name="Notes Placeholder 2"/>
+          <p:cNvSpPr>
+            <a:spLocks noGrp="1"/>
+          </p:cNvSpPr>
+          <p:nvPr>
+            <p:ph type="body" idx="1"/>
+          </p:nvPr>
+        </p:nvSpPr>
+        <p:spPr/>
+        <p:txBody>
+          <a:bodyPr/>
+          <a:lstStyle/>
+          <a:p>
+            <a:pPr marL="171450" indent="-171450" algn="l">
+              <a:buFont typeface="Arial" panose="020B0604020202020204" pitchFamily="34" charset="0"/>
+              <a:buChar char="•"/>
+            </a:pPr>
+            <a:r>
+              <a:rPr lang="en-US" dirty="0"/>
+              <a:t>Programs from</a:t>
+            </a:r>
+            <a:r>
+              <a:rPr lang="en-US" baseline="0" dirty="0"/>
+              <a:t> a computer that imitates how a human would converse in reality.</a:t>
+            </a:r>
+          </a:p>
+          <a:p>
+            <a:pPr marL="171450" indent="-171450" algn="l">
+              <a:buFont typeface="Arial" panose="020B0604020202020204" pitchFamily="34" charset="0"/>
+              <a:buChar char="•"/>
+            </a:pPr>
+            <a:r>
+              <a:rPr lang="en-US" baseline="0" dirty="0"/>
+              <a:t>Inputs are natural language text</a:t>
+            </a:r>
+          </a:p>
+          <a:p>
+            <a:pPr marL="171450" indent="-171450" algn="l">
+              <a:buFont typeface="Arial" panose="020B0604020202020204" pitchFamily="34" charset="0"/>
+              <a:buChar char="•"/>
+            </a:pPr>
+            <a:r>
+              <a:rPr lang="en-US" baseline="0" dirty="0"/>
+              <a:t>Would give a response that would closely resemble how an intelligent being should respond</a:t>
+            </a:r>
+          </a:p>
+        </p:txBody>
+      </p:sp>
+      <p:sp>
+        <p:nvSpPr>
+          <p:cNvPr id="4" name="Slide Number Placeholder 3"/>
+          <p:cNvSpPr>
+            <a:spLocks noGrp="1"/>
+          </p:cNvSpPr>
+          <p:nvPr>
+            <p:ph type="sldNum" sz="quarter" idx="10"/>
+          </p:nvPr>
+        </p:nvSpPr>
+        <p:spPr/>
+        <p:txBody>
+          <a:bodyPr/>
+          <a:lstStyle/>
+          <a:p>
+            <a:fld id="{025F723C-B06D-406C-8FAC-F2930FFF6CF3}" type="slidenum">
+              <a:rPr lang="en-PH" smtClean="0"/>
+              <a:t>8</a:t>
+            </a:fld>
+            <a:endParaRPr lang="en-PH"/>
+          </a:p>
+        </p:txBody>
+      </p:sp>
+    </p:spTree>
+    <p:extLst>
+      <p:ext uri="{BB962C8B-B14F-4D97-AF65-F5344CB8AC3E}">
+        <p14:creationId xmlns:p14="http://schemas.microsoft.com/office/powerpoint/2010/main" val="2223341622"/>
+      </p:ext>
+    </p:extLst>
+  </p:cSld>
+  <p:clrMapOvr>
+    <a:masterClrMapping/>
+  </p:clrMapOvr>
+</p:notes>
+</file>
+
+<file path=ppt/notesSlides/notesSlide6.xml><?xml version="1.0" encoding="utf-8"?>
+<p:notes xmlns:a="http://schemas.openxmlformats.org/drawingml/2006/main" xmlns:r="http://schemas.openxmlformats.org/officeDocument/2006/relationships" xmlns:p="http://schemas.openxmlformats.org/presentationml/2006/main">
+  <p:cSld>
+    <p:spTree>
+      <p:nvGrpSpPr>
+        <p:cNvPr id="1" name=""/>
+        <p:cNvGrpSpPr/>
+        <p:nvPr/>
+      </p:nvGrpSpPr>
+      <p:grpSpPr>
+        <a:xfrm>
+          <a:off x="0" y="0"/>
+          <a:ext cx="0" cy="0"/>
+          <a:chOff x="0" y="0"/>
+          <a:chExt cx="0" cy="0"/>
+        </a:xfrm>
+      </p:grpSpPr>
+      <p:sp>
+        <p:nvSpPr>
+          <p:cNvPr id="2" name="Slide Image Placeholder 1"/>
+          <p:cNvSpPr>
+            <a:spLocks noGrp="1" noRot="1" noChangeAspect="1"/>
+          </p:cNvSpPr>
+          <p:nvPr>
+            <p:ph type="sldImg"/>
+          </p:nvPr>
+        </p:nvSpPr>
+        <p:spPr/>
+      </p:sp>
+      <p:sp>
+        <p:nvSpPr>
+          <p:cNvPr id="3" name="Notes Placeholder 2"/>
+          <p:cNvSpPr>
+            <a:spLocks noGrp="1"/>
+          </p:cNvSpPr>
+          <p:nvPr>
+            <p:ph type="body" idx="1"/>
+          </p:nvPr>
+        </p:nvSpPr>
+        <p:spPr/>
+        <p:txBody>
+          <a:bodyPr/>
+          <a:lstStyle/>
+          <a:p>
+            <a:endParaRPr lang="en-PH" dirty="0"/>
+          </a:p>
+        </p:txBody>
+      </p:sp>
+      <p:sp>
+        <p:nvSpPr>
+          <p:cNvPr id="4" name="Slide Number Placeholder 3"/>
+          <p:cNvSpPr>
+            <a:spLocks noGrp="1"/>
+          </p:cNvSpPr>
+          <p:nvPr>
+            <p:ph type="sldNum" sz="quarter" idx="10"/>
+          </p:nvPr>
+        </p:nvSpPr>
+        <p:spPr/>
+        <p:txBody>
+          <a:bodyPr/>
+          <a:lstStyle/>
+          <a:p>
+            <a:fld id="{025F723C-B06D-406C-8FAC-F2930FFF6CF3}" type="slidenum">
+              <a:rPr lang="en-PH" smtClean="0"/>
+              <a:t>9</a:t>
+            </a:fld>
+            <a:endParaRPr lang="en-PH"/>
+          </a:p>
+        </p:txBody>
+      </p:sp>
+    </p:spTree>
+    <p:extLst>
+      <p:ext uri="{BB962C8B-B14F-4D97-AF65-F5344CB8AC3E}">
+        <p14:creationId xmlns:p14="http://schemas.microsoft.com/office/powerpoint/2010/main" val="2554480440"/>
+      </p:ext>
+    </p:extLst>
+  </p:cSld>
+  <p:clrMapOvr>
+    <a:masterClrMapping/>
+  </p:clrMapOvr>
+</p:notes>
+</file>
+
+<file path=ppt/notesSlides/notesSlide7.xml><?xml version="1.0" encoding="utf-8"?>
+<p:notes xmlns:a="http://schemas.openxmlformats.org/drawingml/2006/main" xmlns:r="http://schemas.openxmlformats.org/officeDocument/2006/relationships" xmlns:p="http://schemas.openxmlformats.org/presentationml/2006/main">
+  <p:cSld>
+    <p:spTree>
+      <p:nvGrpSpPr>
+        <p:cNvPr id="1" name=""/>
+        <p:cNvGrpSpPr/>
+        <p:nvPr/>
+      </p:nvGrpSpPr>
+      <p:grpSpPr>
+        <a:xfrm>
+          <a:off x="0" y="0"/>
+          <a:ext cx="0" cy="0"/>
+          <a:chOff x="0" y="0"/>
+          <a:chExt cx="0" cy="0"/>
+        </a:xfrm>
+      </p:grpSpPr>
+      <p:sp>
+        <p:nvSpPr>
+          <p:cNvPr id="2" name="Slide Image Placeholder 1"/>
+          <p:cNvSpPr>
+            <a:spLocks noGrp="1" noRot="1" noChangeAspect="1"/>
+          </p:cNvSpPr>
+          <p:nvPr>
+            <p:ph type="sldImg"/>
+          </p:nvPr>
+        </p:nvSpPr>
+        <p:spPr/>
+      </p:sp>
+      <p:sp>
+        <p:nvSpPr>
+          <p:cNvPr id="3" name="Notes Placeholder 2"/>
+          <p:cNvSpPr>
+            <a:spLocks noGrp="1"/>
+          </p:cNvSpPr>
+          <p:nvPr>
+            <p:ph type="body" idx="1"/>
+          </p:nvPr>
+        </p:nvSpPr>
+        <p:spPr/>
+        <p:txBody>
+          <a:bodyPr/>
+          <a:lstStyle/>
+          <a:p>
+            <a:pPr marL="171450" indent="-171450">
+              <a:buFont typeface="Arial" panose="020B0604020202020204" pitchFamily="34" charset="0"/>
+              <a:buChar char="•"/>
+            </a:pPr>
+            <a:endParaRPr lang="en-PH" dirty="0"/>
+          </a:p>
+        </p:txBody>
+      </p:sp>
+      <p:sp>
+        <p:nvSpPr>
+          <p:cNvPr id="4" name="Slide Number Placeholder 3"/>
+          <p:cNvSpPr>
+            <a:spLocks noGrp="1"/>
+          </p:cNvSpPr>
+          <p:nvPr>
+            <p:ph type="sldNum" sz="quarter" idx="10"/>
+          </p:nvPr>
+        </p:nvSpPr>
+        <p:spPr/>
+        <p:txBody>
+          <a:bodyPr/>
+          <a:lstStyle/>
+          <a:p>
+            <a:fld id="{025F723C-B06D-406C-8FAC-F2930FFF6CF3}" type="slidenum">
+              <a:rPr lang="en-PH" smtClean="0"/>
+              <a:t>10</a:t>
+            </a:fld>
+            <a:endParaRPr lang="en-PH"/>
+          </a:p>
+        </p:txBody>
+      </p:sp>
+    </p:spTree>
+    <p:extLst>
+      <p:ext uri="{BB962C8B-B14F-4D97-AF65-F5344CB8AC3E}">
+        <p14:creationId xmlns:p14="http://schemas.microsoft.com/office/powerpoint/2010/main" val="2692040386"/>
       </p:ext>
     </p:extLst>
   </p:cSld>
@@ -3903,7 +4363,7 @@
           <p:nvPr/>
         </p:nvPicPr>
         <p:blipFill>
-          <a:blip r:embed="rId2">
+          <a:blip r:embed="rId3">
             <a:extLst>
               <a:ext uri="{28A0092B-C50C-407E-A947-70E740481C1C}">
                 <a14:useLocalDpi xmlns:a14="http://schemas.microsoft.com/office/drawing/2010/main" val="0"/>
@@ -3944,7 +4404,7 @@
           <p:nvPr/>
         </p:nvPicPr>
         <p:blipFill>
-          <a:blip r:embed="rId3">
+          <a:blip r:embed="rId4">
             <a:extLst>
               <a:ext uri="{28A0092B-C50C-407E-A947-70E740481C1C}">
                 <a14:useLocalDpi xmlns:a14="http://schemas.microsoft.com/office/drawing/2010/main" val="0"/>
@@ -4305,6 +4765,17 @@
               <a:rPr lang="en-US" dirty="0"/>
               <a:t>Using back-propagation neural network to minimize the error value and modify the weights between the last hidden layer and the output layer.</a:t>
             </a:r>
+          </a:p>
+          <a:p>
+            <a:r>
+              <a:rPr lang="en-US" dirty="0"/>
+              <a:t>The study concluded that it has the potential to be used as a clinical tool in classifying UDs and </a:t>
+            </a:r>
+            <a:r>
+              <a:rPr lang="en-US" dirty="0" err="1"/>
+              <a:t>BDs.</a:t>
+            </a:r>
+            <a:endParaRPr lang="en-US" dirty="0"/>
           </a:p>
           <a:p>
             <a:endParaRPr lang="en-PH" dirty="0"/>
@@ -4663,6 +5134,22 @@
         <p:txBody>
           <a:bodyPr/>
           <a:lstStyle/>
+          <a:p>
+            <a:r>
+              <a:rPr lang="en-US" dirty="0" err="1"/>
+              <a:t>Chatbots</a:t>
+            </a:r>
+            <a:r>
+              <a:rPr lang="en-US" dirty="0"/>
+              <a:t> can guide the user in expressing their emotions, and what kind of therapy they would like to be in.</a:t>
+            </a:r>
+          </a:p>
+          <a:p>
+            <a:r>
+              <a:rPr lang="en-US" dirty="0"/>
+              <a:t>They can also make conversational searches in creating a sense of connectivity and personalization from the user’s input.</a:t>
+            </a:r>
+          </a:p>
           <a:p>
             <a:r>
               <a:rPr lang="en-US" dirty="0"/>
